--- a/Dataset + Data Viz/C355_BI_20008933_Samia_dshbd.pptx
+++ b/Dataset + Data Viz/C355_BI_20008933_Samia_dshbd.pptx
@@ -19,6 +19,7 @@
     <p:sldId id="267" r:id="rId13"/>
     <p:sldId id="268" r:id="rId14"/>
     <p:sldId id="269" r:id="rId15"/>
+    <p:sldId id="270" r:id="rId16"/>
   </p:sldIdLst>
   <p:sldSz cx="12192000" cy="6858000"/>
   <p:notesSz cx="6858000" cy="9144000"/>
@@ -3734,6 +3735,115 @@
     <p:extLst>
       <p:ext uri="{BB962C8B-B14F-4D97-AF65-F5344CB8AC3E}">
         <p14:creationId xmlns:p14="http://schemas.microsoft.com/office/powerpoint/2010/main" val="95992585"/>
+      </p:ext>
+    </p:extLst>
+  </p:cSld>
+  <p:clrMapOvr>
+    <a:masterClrMapping/>
+  </p:clrMapOvr>
+</p:sld>
+</file>
+
+<file path=ppt/slides/slide15.xml><?xml version="1.0" encoding="utf-8"?>
+<p:sld xmlns:a="http://schemas.openxmlformats.org/drawingml/2006/main" xmlns:r="http://schemas.openxmlformats.org/officeDocument/2006/relationships" xmlns:p="http://schemas.openxmlformats.org/presentationml/2006/main">
+  <p:cSld>
+    <p:spTree>
+      <p:nvGrpSpPr>
+        <p:cNvPr id="1" name=""/>
+        <p:cNvGrpSpPr/>
+        <p:nvPr/>
+      </p:nvGrpSpPr>
+      <p:grpSpPr>
+        <a:xfrm>
+          <a:off x="0" y="0"/>
+          <a:ext cx="0" cy="0"/>
+          <a:chOff x="0" y="0"/>
+          <a:chExt cx="0" cy="0"/>
+        </a:xfrm>
+      </p:grpSpPr>
+      <p:sp>
+        <p:nvSpPr>
+          <p:cNvPr id="2" name="Title 1">
+            <a:extLst>
+              <a:ext uri="{FF2B5EF4-FFF2-40B4-BE49-F238E27FC236}">
+                <a16:creationId xmlns:a16="http://schemas.microsoft.com/office/drawing/2014/main" id="{149688DA-25B0-A13B-884F-88BCF12AEE8C}"/>
+              </a:ext>
+            </a:extLst>
+          </p:cNvPr>
+          <p:cNvSpPr>
+            <a:spLocks noGrp="1"/>
+          </p:cNvSpPr>
+          <p:nvPr>
+            <p:ph type="title"/>
+          </p:nvPr>
+        </p:nvSpPr>
+        <p:spPr/>
+        <p:txBody>
+          <a:bodyPr/>
+          <a:lstStyle/>
+          <a:p>
+            <a:r>
+              <a:rPr lang="en-SG" dirty="0"/>
+              <a:t>Conclusion</a:t>
+            </a:r>
+          </a:p>
+        </p:txBody>
+      </p:sp>
+      <p:sp>
+        <p:nvSpPr>
+          <p:cNvPr id="3" name="Content Placeholder 2">
+            <a:extLst>
+              <a:ext uri="{FF2B5EF4-FFF2-40B4-BE49-F238E27FC236}">
+                <a16:creationId xmlns:a16="http://schemas.microsoft.com/office/drawing/2014/main" id="{E8B39EE7-E7F0-2E1A-370E-92C57B00F9E1}"/>
+              </a:ext>
+            </a:extLst>
+          </p:cNvPr>
+          <p:cNvSpPr>
+            <a:spLocks noGrp="1"/>
+          </p:cNvSpPr>
+          <p:nvPr>
+            <p:ph idx="1"/>
+          </p:nvPr>
+        </p:nvSpPr>
+        <p:spPr>
+          <a:xfrm>
+            <a:off x="838200" y="1825625"/>
+            <a:ext cx="10515600" cy="2888615"/>
+          </a:xfrm>
+        </p:spPr>
+        <p:txBody>
+          <a:bodyPr/>
+          <a:lstStyle/>
+          <a:p>
+            <a:r>
+              <a:rPr lang="en-GB" dirty="0"/>
+              <a:t>In conclusion , the best option for prospective homeowners who would like to buy a 4-room flat is at Woodlands. This is because, the probability of finding a 4-room flat is the highest , most of the 4 room flats are resold at the same price as its valuation price , the average remaining lease duration is 79.78 out of 99 years which is still relatively high , the cost of the flats is cheapest, and the floor area aligns closely with the higher average.</a:t>
+            </a:r>
+          </a:p>
+          <a:p>
+            <a:endParaRPr lang="en-GB" dirty="0"/>
+          </a:p>
+          <a:p>
+            <a:endParaRPr lang="en-GB" dirty="0"/>
+          </a:p>
+          <a:p>
+            <a:endParaRPr lang="en-GB" dirty="0"/>
+          </a:p>
+          <a:p>
+            <a:endParaRPr lang="en-GB" dirty="0"/>
+          </a:p>
+          <a:p>
+            <a:endParaRPr lang="en-GB" dirty="0"/>
+          </a:p>
+          <a:p>
+            <a:endParaRPr lang="en-SG" dirty="0"/>
+          </a:p>
+        </p:txBody>
+      </p:sp>
+    </p:spTree>
+    <p:extLst>
+      <p:ext uri="{BB962C8B-B14F-4D97-AF65-F5344CB8AC3E}">
+        <p14:creationId xmlns:p14="http://schemas.microsoft.com/office/powerpoint/2010/main" val="4015741169"/>
       </p:ext>
     </p:extLst>
   </p:cSld>
